--- a/docs/progress_report/progress_report.pptx
+++ b/docs/progress_report/progress_report.pptx
@@ -280,7 +280,7 @@
           <a:bodyPr lIns="0" rIns="0" tIns="0" bIns="0" anchor="b"/>
           <a:p>
             <a:pPr algn="r"/>
-            <a:fld id="{A34FC636-289A-4EAA-96C6-52709F2777F0}" type="slidenum">
+            <a:fld id="{CAEA4E0F-896E-4E7D-AFD3-B2D39BD13245}" type="slidenum">
               <a:rPr lang="en-US" sz="1400" spc="-1" strike="noStrike">
                 <a:solidFill>
                   <a:srgbClr val="000000"/>
@@ -408,7 +408,7 @@
                 <a:spcPct val="100000"/>
               </a:lnSpc>
             </a:pPr>
-            <a:fld id="{A313FBC3-6F5D-4555-8169-1846EB39661B}" type="slidenum">
+            <a:fld id="{6F18C8E6-1BCE-4194-B363-6E54254F18D0}" type="slidenum">
               <a:rPr lang="en-US" sz="1200" spc="-1" strike="noStrike">
                 <a:solidFill>
                   <a:srgbClr val="000000"/>
@@ -8430,7 +8430,7 @@
                 <a:spcPct val="100000"/>
               </a:lnSpc>
             </a:pPr>
-            <a:fld id="{58966A53-49DA-4ECF-9D2A-B815A7E609C1}" type="slidenum">
+            <a:fld id="{7C3F0F5C-C53A-4D9A-AD3A-2D06F6F3BC44}" type="slidenum">
               <a:rPr lang="en-US" sz="1200" spc="-1" strike="noStrike">
                 <a:solidFill>
                   <a:srgbClr val="ffffff"/>
@@ -9516,7 +9516,7 @@
                 <a:spcPct val="100000"/>
               </a:lnSpc>
             </a:pPr>
-            <a:fld id="{80DDEE13-3EB9-4C85-AADC-034CCD87523C}" type="slidenum">
+            <a:fld id="{A985770E-BC10-425D-A97F-A6B3F03C6E13}" type="slidenum">
               <a:rPr lang="en-US" sz="1200" spc="-1" strike="noStrike">
                 <a:solidFill>
                   <a:srgbClr val="ffffff"/>
@@ -10282,7 +10282,7 @@
                 <a:spcPct val="100000"/>
               </a:lnSpc>
             </a:pPr>
-            <a:fld id="{9ABE2A52-F5A6-4E04-BF29-4F56F534C06C}" type="slidenum">
+            <a:fld id="{D32AE350-5CAF-4D07-81D4-3E8AA66B9A11}" type="slidenum">
               <a:rPr lang="en-US" sz="1200" spc="-1" strike="noStrike">
                 <a:solidFill>
                   <a:srgbClr val="ffffff"/>
@@ -11365,7 +11365,7 @@
                 <a:spcPct val="100000"/>
               </a:lnSpc>
             </a:pPr>
-            <a:fld id="{0C9F7EF9-9A73-4699-A798-90CE18076917}" type="slidenum">
+            <a:fld id="{192BA257-6D6E-4021-99CF-021777160510}" type="slidenum">
               <a:rPr lang="en-US" sz="1200" spc="-1" strike="noStrike">
                 <a:solidFill>
                   <a:srgbClr val="ffffff"/>
@@ -12291,7 +12291,7 @@
                 <a:spcPct val="100000"/>
               </a:lnSpc>
             </a:pPr>
-            <a:fld id="{14DB4FDD-1666-4FF9-8E69-FA6B093372B1}" type="slidenum">
+            <a:fld id="{B8144DE1-AA51-4E4C-B019-AEE844E72706}" type="slidenum">
               <a:rPr lang="en-US" sz="1200" spc="-1" strike="noStrike">
                 <a:solidFill>
                   <a:srgbClr val="ffffff"/>
@@ -15623,8 +15623,8 @@
         </p:nvSpPr>
         <p:spPr>
           <a:xfrm>
-            <a:off x="1218960" y="1701720"/>
-            <a:ext cx="10360080" cy="4461840"/>
+            <a:off x="914400" y="1701720"/>
+            <a:ext cx="10664640" cy="4461840"/>
           </a:xfrm>
           <a:prstGeom prst="rect">
             <a:avLst/>
@@ -15659,7 +15659,7 @@
                 </a:uFill>
                 <a:latin typeface="Calibri"/>
               </a:rPr>
-              <a:t>What we want to change to do better</a:t>
+              <a:t>Correlating to our stumbling blocks from the last slide:</a:t>
             </a:r>
             <a:endParaRPr lang="en-US" sz="2800" spc="-1" strike="noStrike">
               <a:solidFill>
@@ -15696,7 +15696,221 @@
                 </a:uFill>
                 <a:latin typeface="Calibri"/>
               </a:rPr>
-              <a:t>Essentially the deltas column</a:t>
+              <a:t>1. Maintaining consistent team meetings.</a:t>
+            </a:r>
+            <a:endParaRPr lang="en-US" sz="2800" spc="-1" strike="noStrike">
+              <a:solidFill>
+                <a:srgbClr val="ffffff"/>
+              </a:solidFill>
+              <a:uFill>
+                <a:solidFill>
+                  <a:srgbClr val="ffffff"/>
+                </a:solidFill>
+              </a:uFill>
+              <a:latin typeface="Calibri"/>
+            </a:endParaRPr>
+          </a:p>
+          <a:p>
+            <a:pPr lvl="1" marL="864000" indent="-324000">
+              <a:buClr>
+                <a:srgbClr val="ffffff"/>
+              </a:buClr>
+              <a:buSzPct val="75000"/>
+              <a:buFont typeface="Symbol" charset="2"/>
+              <a:buChar char=""/>
+            </a:pPr>
+            <a:r>
+              <a:rPr lang="en-US" sz="2800" spc="-1" strike="noStrike">
+                <a:solidFill>
+                  <a:srgbClr val="ffffff"/>
+                </a:solidFill>
+                <a:uFill>
+                  <a:solidFill>
+                    <a:srgbClr val="ffffff"/>
+                  </a:solidFill>
+                </a:uFill>
+                <a:latin typeface="Calibri"/>
+              </a:rPr>
+              <a:t>The following terms, we aim to ensure that we are meeting at least once a week for at least an hour to discuss our current work and next steps. The time and day on this is TBD until we see our class and work schedules for next term, however. </a:t>
+            </a:r>
+            <a:endParaRPr lang="en-US" sz="2000" spc="-1" strike="noStrike">
+              <a:solidFill>
+                <a:srgbClr val="ffffff"/>
+              </a:solidFill>
+              <a:uFill>
+                <a:solidFill>
+                  <a:srgbClr val="ffffff"/>
+                </a:solidFill>
+              </a:uFill>
+              <a:latin typeface="Calibri"/>
+            </a:endParaRPr>
+          </a:p>
+          <a:p>
+            <a:pPr marL="304920" indent="-304560">
+              <a:lnSpc>
+                <a:spcPct val="90000"/>
+              </a:lnSpc>
+              <a:buClr>
+                <a:srgbClr val="009999"/>
+              </a:buClr>
+              <a:buFont typeface="Arial"/>
+              <a:buChar char="•"/>
+            </a:pPr>
+            <a:r>
+              <a:rPr lang="en-US" sz="2800" spc="-1" strike="noStrike">
+                <a:solidFill>
+                  <a:srgbClr val="ffffff"/>
+                </a:solidFill>
+                <a:uFill>
+                  <a:solidFill>
+                    <a:srgbClr val="ffffff"/>
+                  </a:solidFill>
+                </a:uFill>
+                <a:latin typeface="Calibri"/>
+              </a:rPr>
+              <a:t>2. Regular check-ins with our professors</a:t>
+            </a:r>
+            <a:endParaRPr lang="en-US" sz="2800" spc="-1" strike="noStrike">
+              <a:solidFill>
+                <a:srgbClr val="ffffff"/>
+              </a:solidFill>
+              <a:uFill>
+                <a:solidFill>
+                  <a:srgbClr val="ffffff"/>
+                </a:solidFill>
+              </a:uFill>
+              <a:latin typeface="Calibri"/>
+            </a:endParaRPr>
+          </a:p>
+          <a:p>
+            <a:pPr lvl="1" marL="864000" indent="-324000">
+              <a:buClr>
+                <a:srgbClr val="ffffff"/>
+              </a:buClr>
+              <a:buSzPct val="75000"/>
+              <a:buFont typeface="Symbol" charset="2"/>
+              <a:buChar char=""/>
+            </a:pPr>
+            <a:r>
+              <a:rPr lang="en-US" sz="2800" spc="-1" strike="noStrike">
+                <a:solidFill>
+                  <a:srgbClr val="ffffff"/>
+                </a:solidFill>
+                <a:uFill>
+                  <a:solidFill>
+                    <a:srgbClr val="ffffff"/>
+                  </a:solidFill>
+                </a:uFill>
+                <a:latin typeface="Calibri"/>
+              </a:rPr>
+              <a:t>The following terms, when assignments come up that we have concerns with, we aim to try to meet with our professors and address those concerns as soon as possible.</a:t>
+            </a:r>
+            <a:endParaRPr lang="en-US" sz="2000" spc="-1" strike="noStrike">
+              <a:solidFill>
+                <a:srgbClr val="ffffff"/>
+              </a:solidFill>
+              <a:uFill>
+                <a:solidFill>
+                  <a:srgbClr val="ffffff"/>
+                </a:solidFill>
+              </a:uFill>
+              <a:latin typeface="Calibri"/>
+            </a:endParaRPr>
+          </a:p>
+          <a:p>
+            <a:pPr lvl="1" marL="864000" indent="-324000">
+              <a:buClr>
+                <a:srgbClr val="ffffff"/>
+              </a:buClr>
+              <a:buSzPct val="75000"/>
+              <a:buFont typeface="Symbol" charset="2"/>
+              <a:buChar char=""/>
+            </a:pPr>
+            <a:r>
+              <a:rPr lang="en-US" sz="2800" spc="-1" strike="noStrike">
+                <a:solidFill>
+                  <a:srgbClr val="ffffff"/>
+                </a:solidFill>
+                <a:uFill>
+                  <a:solidFill>
+                    <a:srgbClr val="ffffff"/>
+                  </a:solidFill>
+                </a:uFill>
+                <a:latin typeface="Calibri"/>
+              </a:rPr>
+              <a:t> </a:t>
+            </a:r>
+            <a:endParaRPr lang="en-US" sz="2000" spc="-1" strike="noStrike">
+              <a:solidFill>
+                <a:srgbClr val="ffffff"/>
+              </a:solidFill>
+              <a:uFill>
+                <a:solidFill>
+                  <a:srgbClr val="ffffff"/>
+                </a:solidFill>
+              </a:uFill>
+              <a:latin typeface="Calibri"/>
+            </a:endParaRPr>
+          </a:p>
+          <a:p>
+            <a:pPr lvl="1" marL="864000" indent="-324000">
+              <a:buClr>
+                <a:srgbClr val="ffffff"/>
+              </a:buClr>
+              <a:buSzPct val="75000"/>
+              <a:buFont typeface="Symbol" charset="2"/>
+              <a:buChar char=""/>
+            </a:pPr>
+            <a:r>
+              <a:rPr lang="en-US" sz="2800" spc="-1" strike="noStrike">
+                <a:solidFill>
+                  <a:srgbClr val="ffffff"/>
+                </a:solidFill>
+                <a:uFill>
+                  <a:solidFill>
+                    <a:srgbClr val="ffffff"/>
+                  </a:solidFill>
+                </a:uFill>
+                <a:latin typeface="Calibri"/>
+              </a:rPr>
+              <a:t> </a:t>
+            </a:r>
+            <a:endParaRPr lang="en-US" sz="2000" spc="-1" strike="noStrike">
+              <a:solidFill>
+                <a:srgbClr val="ffffff"/>
+              </a:solidFill>
+              <a:uFill>
+                <a:solidFill>
+                  <a:srgbClr val="ffffff"/>
+                </a:solidFill>
+              </a:uFill>
+              <a:latin typeface="Calibri"/>
+            </a:endParaRPr>
+          </a:p>
+          <a:p>
+            <a:pPr marL="304920" indent="-304560">
+              <a:lnSpc>
+                <a:spcPct val="90000"/>
+              </a:lnSpc>
+              <a:buClr>
+                <a:srgbClr val="009999"/>
+              </a:buClr>
+              <a:buFont typeface="Arial"/>
+              <a:buChar char="•"/>
+            </a:pPr>
+            <a:r>
+              <a:rPr lang="en-US" sz="2800" spc="-1" strike="noStrike">
+                <a:solidFill>
+                  <a:srgbClr val="ffffff"/>
+                </a:solidFill>
+                <a:uFill>
+                  <a:solidFill>
+                    <a:srgbClr val="ffffff"/>
+                  </a:solidFill>
+                </a:uFill>
+                <a:latin typeface="Calibri"/>
+              </a:rPr>
+              <a:t> </a:t>
             </a:r>
             <a:endParaRPr lang="en-US" sz="2800" spc="-1" strike="noStrike">
               <a:solidFill>
@@ -15863,7 +16077,7 @@
                 </a:uFill>
                 <a:latin typeface="Calibri"/>
               </a:rPr>
-              <a:t>Things that will be done over winter break</a:t>
+              <a:t>Over winter break we aim to, at the very least, get our drone operational. Our Drone OS section in our design document contains details on the actual steps involved. We also endeavor to do some reading on threat modeling and ROS to better prepare for winter term.</a:t>
             </a:r>
             <a:endParaRPr lang="en-US" sz="2800" spc="-1" strike="noStrike">
               <a:solidFill>
@@ -15900,7 +16114,7 @@
                 </a:uFill>
                 <a:latin typeface="Calibri"/>
               </a:rPr>
-              <a:t>Any other future plans</a:t>
+              <a:t> </a:t>
             </a:r>
             <a:endParaRPr lang="en-US" sz="2800" spc="-1" strike="noStrike">
               <a:solidFill>

--- a/docs/progress_report/progress_report.pptx
+++ b/docs/progress_report/progress_report.pptx
@@ -5,10 +5,10 @@
     <p:sldMasterId id="2147483660" r:id="rId4"/>
   </p:sldMasterIdLst>
   <p:notesMasterIdLst>
-    <p:notesMasterId r:id="rId21"/>
+    <p:notesMasterId r:id="rId22"/>
   </p:notesMasterIdLst>
   <p:handoutMasterIdLst>
-    <p:handoutMasterId r:id="rId22"/>
+    <p:handoutMasterId r:id="rId23"/>
   </p:handoutMasterIdLst>
   <p:sldIdLst>
     <p:sldId id="257" r:id="rId5"/>
@@ -21,12 +21,13 @@
     <p:sldId id="271" r:id="rId12"/>
     <p:sldId id="272" r:id="rId13"/>
     <p:sldId id="273" r:id="rId14"/>
-    <p:sldId id="274" r:id="rId15"/>
-    <p:sldId id="278" r:id="rId16"/>
-    <p:sldId id="275" r:id="rId17"/>
-    <p:sldId id="276" r:id="rId18"/>
-    <p:sldId id="277" r:id="rId19"/>
-    <p:sldId id="279" r:id="rId20"/>
+    <p:sldId id="280" r:id="rId15"/>
+    <p:sldId id="274" r:id="rId16"/>
+    <p:sldId id="278" r:id="rId17"/>
+    <p:sldId id="275" r:id="rId18"/>
+    <p:sldId id="276" r:id="rId19"/>
+    <p:sldId id="277" r:id="rId20"/>
+    <p:sldId id="279" r:id="rId21"/>
   </p:sldIdLst>
   <p:sldSz cx="12188825" cy="6858000"/>
   <p:notesSz cx="6858000" cy="9144000"/>
@@ -5409,9 +5410,73 @@
           <a:bodyPr/>
           <a:lstStyle/>
           <a:p>
+            <a:pPr marL="0" indent="0">
+              <a:buNone/>
+            </a:pPr>
+            <a:r>
+              <a:rPr lang="en-US" smtClean="0"/>
+              <a:t>Week </a:t>
+            </a:r>
+            <a:r>
+              <a:rPr lang="en-US" smtClean="0"/>
+              <a:t>0-3</a:t>
+            </a:r>
+            <a:endParaRPr lang="en-US" dirty="0" smtClean="0"/>
+          </a:p>
+          <a:p>
+            <a:pPr marL="0" indent="0">
+              <a:buNone/>
+            </a:pPr>
             <a:r>
               <a:rPr lang="en-US" dirty="0"/>
-              <a:t>Summarize work of the term, follow blog weeks from document</a:t>
+              <a:t>Picked project.</a:t>
+            </a:r>
+          </a:p>
+          <a:p>
+            <a:pPr marL="0" indent="0">
+              <a:buNone/>
+            </a:pPr>
+            <a:r>
+              <a:rPr lang="en-US" dirty="0"/>
+              <a:t>Met with client (V) and his clients (Professor </a:t>
+            </a:r>
+            <a:r>
+              <a:rPr lang="en-US" dirty="0" err="1"/>
+              <a:t>Bobba</a:t>
+            </a:r>
+            <a:r>
+              <a:rPr lang="en-US" dirty="0"/>
+              <a:t> and resident crypto-expert Jesse) and discussed basic requirements</a:t>
+            </a:r>
+          </a:p>
+          <a:p>
+            <a:pPr marL="0" indent="0">
+              <a:buNone/>
+            </a:pPr>
+            <a:r>
+              <a:rPr lang="en-US" dirty="0" smtClean="0"/>
+              <a:t>	Got </a:t>
+            </a:r>
+            <a:r>
+              <a:rPr lang="en-US" dirty="0"/>
+              <a:t>input on our probable path going forward, possible </a:t>
+            </a:r>
+            <a:r>
+              <a:rPr lang="en-US" dirty="0" smtClean="0"/>
+              <a:t>	avenues </a:t>
+            </a:r>
+            <a:r>
+              <a:rPr lang="en-US" dirty="0"/>
+              <a:t>of research.</a:t>
+            </a:r>
+          </a:p>
+          <a:p>
+            <a:pPr marL="0" indent="0">
+              <a:buNone/>
+            </a:pPr>
+            <a:r>
+              <a:rPr lang="en-US" dirty="0"/>
+              <a:t>Got settled in to the course as a whole, got to know each other's schedules</a:t>
             </a:r>
           </a:p>
         </p:txBody>
@@ -5492,17 +5557,93 @@
         </p:nvSpPr>
         <p:spPr/>
         <p:txBody>
-          <a:bodyPr/>
+          <a:bodyPr>
+            <a:normAutofit fontScale="92500" lnSpcReduction="20000"/>
+          </a:bodyPr>
           <a:lstStyle/>
           <a:p>
-            <a:endParaRPr lang="en-US"/>
+            <a:pPr marL="0" indent="0">
+              <a:buNone/>
+            </a:pPr>
+            <a:r>
+              <a:rPr lang="en-US" dirty="0" smtClean="0"/>
+              <a:t>Weeks 4-7</a:t>
+            </a:r>
+            <a:endParaRPr lang="en-US" dirty="0"/>
+          </a:p>
+          <a:p>
+            <a:pPr marL="0" indent="0">
+              <a:buNone/>
+            </a:pPr>
+            <a:r>
+              <a:rPr lang="en-US" dirty="0"/>
+              <a:t>Were introduced to threat modeling, decided on using ROS, looked into SROS as a possible alternative. </a:t>
+            </a:r>
+          </a:p>
+          <a:p>
+            <a:pPr marL="0" indent="0">
+              <a:buNone/>
+            </a:pPr>
+            <a:r>
+              <a:rPr lang="en-US" dirty="0"/>
+              <a:t>Draft of problem statement, requirements document </a:t>
+            </a:r>
+          </a:p>
+          <a:p>
+            <a:pPr marL="0" indent="0">
+              <a:buNone/>
+            </a:pPr>
+            <a:r>
+              <a:rPr lang="en-US" dirty="0"/>
+              <a:t>Discussed current state of project with clientele</a:t>
+            </a:r>
+          </a:p>
+          <a:p>
+            <a:pPr marL="0" indent="0">
+              <a:buNone/>
+            </a:pPr>
+            <a:r>
+              <a:rPr lang="en-US" dirty="0"/>
+              <a:t>Got to see the drones, they need some changing and one needs some components </a:t>
+            </a:r>
+            <a:r>
+              <a:rPr lang="en-US" dirty="0" smtClean="0"/>
+              <a:t>re-soldered.</a:t>
+            </a:r>
+            <a:endParaRPr lang="en-US" dirty="0"/>
+          </a:p>
+          <a:p>
+            <a:pPr marL="0" indent="0">
+              <a:buNone/>
+            </a:pPr>
+            <a:r>
+              <a:rPr lang="en-US" dirty="0"/>
+              <a:t>Tech review started, but confusion about requirements for it led to some delays, </a:t>
+            </a:r>
+          </a:p>
+          <a:p>
+            <a:pPr marL="0" indent="0">
+              <a:buNone/>
+            </a:pPr>
+            <a:r>
+              <a:rPr lang="en-US" dirty="0"/>
+              <a:t>	Should have consulted with professors earlier about our direction </a:t>
+            </a:r>
+            <a:r>
+              <a:rPr lang="en-US" dirty="0" smtClean="0"/>
+              <a:t>	on </a:t>
+            </a:r>
+            <a:r>
+              <a:rPr lang="en-US" dirty="0"/>
+              <a:t>it.</a:t>
+            </a:r>
           </a:p>
         </p:txBody>
       </p:sp>
     </p:spTree>
     <p:extLst>
       <p:ext uri="{BB962C8B-B14F-4D97-AF65-F5344CB8AC3E}">
-        <p14:creationId xmlns:p14="http://schemas.microsoft.com/office/powerpoint/2010/main" val="1840781477"/>
+        <p14:creationId xmlns:p14="http://schemas.microsoft.com/office/powerpoint/2010/main" val="1962563890"/>
       </p:ext>
     </p:extLst>
   </p:cSld>
@@ -5543,7 +5684,7 @@
       </p:grpSpPr>
       <p:sp>
         <p:nvSpPr>
-          <p:cNvPr id="4" name="Title 3"/>
+          <p:cNvPr id="5" name="Title 4"/>
           <p:cNvSpPr>
             <a:spLocks noGrp="1"/>
           </p:cNvSpPr>
@@ -5558,49 +5699,128 @@
           <a:p>
             <a:r>
               <a:rPr lang="en-US" dirty="0"/>
-              <a:t>retrospective</a:t>
-            </a:r>
-          </a:p>
-        </p:txBody>
-      </p:sp>
-      <p:sp>
-        <p:nvSpPr>
-          <p:cNvPr id="6" name="Text Placeholder 5"/>
-          <p:cNvSpPr>
-            <a:spLocks noGrp="1"/>
-          </p:cNvSpPr>
-          <p:nvPr>
-            <p:ph type="body" sz="half" idx="2"/>
+              <a:t>The Past 10 Weeks Cont.</a:t>
+            </a:r>
+          </a:p>
+        </p:txBody>
+      </p:sp>
+      <p:sp>
+        <p:nvSpPr>
+          <p:cNvPr id="6" name="Content Placeholder 5"/>
+          <p:cNvSpPr>
+            <a:spLocks noGrp="1"/>
+          </p:cNvSpPr>
+          <p:nvPr>
+            <p:ph idx="1"/>
           </p:nvPr>
         </p:nvSpPr>
         <p:spPr/>
         <p:txBody>
-          <a:bodyPr/>
+          <a:bodyPr>
+            <a:normAutofit fontScale="77500" lnSpcReduction="20000"/>
+          </a:bodyPr>
           <a:lstStyle/>
           <a:p>
+            <a:pPr marL="0" indent="0">
+              <a:buNone/>
+            </a:pPr>
+            <a:r>
+              <a:rPr lang="en-US" dirty="0" smtClean="0"/>
+              <a:t>Week 8-Now</a:t>
+            </a:r>
+            <a:endParaRPr lang="en-US" dirty="0"/>
+          </a:p>
+          <a:p>
+            <a:pPr marL="0" indent="0">
+              <a:buNone/>
+            </a:pPr>
             <a:r>
               <a:rPr lang="en-US" dirty="0"/>
-              <a:t>A quick glance at what was notable about the term, and how we want to improve for next term</a:t>
-            </a:r>
-          </a:p>
-        </p:txBody>
-      </p:sp>
-      <p:sp>
-        <p:nvSpPr>
-          <p:cNvPr id="5" name="Picture Placeholder 4"/>
-          <p:cNvSpPr>
-            <a:spLocks noGrp="1"/>
-          </p:cNvSpPr>
-          <p:nvPr>
-            <p:ph type="pic" idx="1"/>
-          </p:nvPr>
-        </p:nvSpPr>
-        <p:spPr/>
+              <a:t>In trying to finish the tech doc 2 of us got sick and it ran behind despite our best efforts, </a:t>
+            </a:r>
+          </a:p>
+          <a:p>
+            <a:pPr marL="0" indent="0">
+              <a:buNone/>
+            </a:pPr>
+            <a:r>
+              <a:rPr lang="en-US" dirty="0"/>
+              <a:t>	Along with midterms catching up to us, including </a:t>
+            </a:r>
+            <a:r>
+              <a:rPr lang="en-US" dirty="0" err="1"/>
+              <a:t>Vee</a:t>
+            </a:r>
+            <a:r>
+              <a:rPr lang="en-US" dirty="0"/>
+              <a:t>, which didn't help</a:t>
+            </a:r>
+          </a:p>
+          <a:p>
+            <a:pPr marL="0" indent="0">
+              <a:buNone/>
+            </a:pPr>
+            <a:r>
+              <a:rPr lang="en-US" dirty="0"/>
+              <a:t>Tech doc did get finished after team meeting, although it was slightly late</a:t>
+            </a:r>
+          </a:p>
+          <a:p>
+            <a:pPr marL="0" indent="0">
+              <a:buNone/>
+            </a:pPr>
+            <a:r>
+              <a:rPr lang="en-US" dirty="0"/>
+              <a:t>After some research, we discovered that our particular drone board setup might not support SROS </a:t>
+            </a:r>
+          </a:p>
+          <a:p>
+            <a:pPr marL="0" indent="0">
+              <a:buNone/>
+            </a:pPr>
+            <a:r>
+              <a:rPr lang="en-US" dirty="0"/>
+              <a:t>	TCP/UDP issues, SROS only supports UDP TLS encryption, but drone control </a:t>
+            </a:r>
+            <a:r>
+              <a:rPr lang="en-US" dirty="0" smtClean="0"/>
+              <a:t>	software uses </a:t>
+            </a:r>
+            <a:r>
+              <a:rPr lang="en-US" dirty="0"/>
+              <a:t>TCP</a:t>
+            </a:r>
+          </a:p>
+          <a:p>
+            <a:pPr marL="0" indent="0">
+              <a:buNone/>
+            </a:pPr>
+            <a:r>
+              <a:rPr lang="en-US" dirty="0"/>
+              <a:t>We also finished the design doc after consulting with our professors earlier this time. </a:t>
+            </a:r>
+          </a:p>
+          <a:p>
+            <a:pPr marL="0" indent="0">
+              <a:buNone/>
+            </a:pPr>
+            <a:r>
+              <a:rPr lang="en-US" dirty="0"/>
+              <a:t>Now, we are on to our final week, our progress paper is written, and this is the last thing we need to do.</a:t>
+            </a:r>
+          </a:p>
+          <a:p>
+            <a:pPr marL="0" indent="0">
+              <a:buNone/>
+            </a:pPr>
+            <a:endParaRPr lang="en-US" dirty="0"/>
+          </a:p>
+        </p:txBody>
       </p:sp>
     </p:spTree>
     <p:extLst>
       <p:ext uri="{BB962C8B-B14F-4D97-AF65-F5344CB8AC3E}">
-        <p14:creationId xmlns:p14="http://schemas.microsoft.com/office/powerpoint/2010/main" val="2385179671"/>
+        <p14:creationId xmlns:p14="http://schemas.microsoft.com/office/powerpoint/2010/main" val="1840781477"/>
       </p:ext>
     </p:extLst>
   </p:cSld>
@@ -5641,7 +5861,7 @@
       </p:grpSpPr>
       <p:sp>
         <p:nvSpPr>
-          <p:cNvPr id="2" name="Title 1"/>
+          <p:cNvPr id="4" name="Title 3"/>
           <p:cNvSpPr>
             <a:spLocks noGrp="1"/>
           </p:cNvSpPr>
@@ -5649,91 +5869,84 @@
             <p:ph type="title"/>
           </p:nvPr>
         </p:nvSpPr>
-        <p:spPr/>
+        <p:spPr>
+          <a:xfrm>
+            <a:off x="1218882" y="4746786"/>
+            <a:ext cx="4062942" cy="558800"/>
+          </a:xfrm>
+        </p:spPr>
         <p:txBody>
           <a:bodyPr/>
           <a:lstStyle/>
           <a:p>
             <a:r>
               <a:rPr lang="en-US" dirty="0"/>
-              <a:t>Stumbling Blocks</a:t>
-            </a:r>
-          </a:p>
-        </p:txBody>
-      </p:sp>
-      <p:sp>
-        <p:nvSpPr>
-          <p:cNvPr id="3" name="Content Placeholder 2"/>
-          <p:cNvSpPr>
-            <a:spLocks noGrp="1"/>
-          </p:cNvSpPr>
-          <p:nvPr>
-            <p:ph idx="1"/>
-          </p:nvPr>
-        </p:nvSpPr>
-        <p:spPr/>
-        <p:txBody>
-          <a:bodyPr>
-            <a:normAutofit lnSpcReduction="10000"/>
-          </a:bodyPr>
+              <a:t>retrospective</a:t>
+            </a:r>
+          </a:p>
+        </p:txBody>
+      </p:sp>
+      <p:sp>
+        <p:nvSpPr>
+          <p:cNvPr id="6" name="Text Placeholder 5"/>
+          <p:cNvSpPr>
+            <a:spLocks noGrp="1"/>
+          </p:cNvSpPr>
+          <p:nvPr>
+            <p:ph type="body" sz="half" idx="2"/>
+          </p:nvPr>
+        </p:nvSpPr>
+        <p:spPr>
+          <a:xfrm>
+            <a:off x="1218882" y="5334000"/>
+            <a:ext cx="4062942" cy="990600"/>
+          </a:xfrm>
+        </p:spPr>
+        <p:txBody>
+          <a:bodyPr/>
           <a:lstStyle/>
           <a:p>
             <a:r>
               <a:rPr lang="en-US" dirty="0"/>
-              <a:t>Our 2 major failures were</a:t>
-            </a:r>
-            <a:r>
-              <a:rPr lang="en-US" dirty="0" smtClean="0"/>
-              <a:t>:</a:t>
-            </a:r>
-          </a:p>
-          <a:p>
-            <a:r>
-              <a:rPr lang="en-US" dirty="0" smtClean="0"/>
-              <a:t>1</a:t>
-            </a:r>
-            <a:r>
-              <a:rPr lang="en-US" dirty="0"/>
-              <a:t>. Maintaining team communications. Particularly during midterms season, as not only are the 3 of us students, but </a:t>
-            </a:r>
-            <a:r>
-              <a:rPr lang="en-US" dirty="0" err="1"/>
-              <a:t>Vee</a:t>
-            </a:r>
-            <a:r>
-              <a:rPr lang="en-US" dirty="0"/>
-              <a:t> as well, all progress and communication halted during that period while we scrambled to prepare for exams. This lead to our tech doc being late, which is inexcusable</a:t>
-            </a:r>
-            <a:r>
-              <a:rPr lang="en-US" dirty="0" smtClean="0"/>
-              <a:t>.</a:t>
-            </a:r>
-          </a:p>
-          <a:p>
-            <a:r>
-              <a:rPr lang="en-US" dirty="0" smtClean="0"/>
-              <a:t>2</a:t>
-            </a:r>
-            <a:r>
-              <a:rPr lang="en-US" dirty="0"/>
-              <a:t>. Acquiring extra instruction with respect to class assignments</a:t>
-            </a:r>
-            <a:r>
-              <a:rPr lang="en-US" dirty="0" smtClean="0"/>
-              <a:t>. Since </a:t>
-            </a:r>
-            <a:r>
-              <a:rPr lang="en-US" dirty="0"/>
-              <a:t>our project is research focused, many of the assignments given in class are less relevant to our work. As such, we need to be more proactive about asking for further instruction from our professors for what exactly we need to do.</a:t>
-            </a:r>
-            <a:endParaRPr lang="en-US" dirty="0"/>
-          </a:p>
-        </p:txBody>
-      </p:sp>
+              <a:t>A quick glance at what was notable about the term, and how we want to improve for next term</a:t>
+            </a:r>
+          </a:p>
+        </p:txBody>
+      </p:sp>
+      <p:pic>
+        <p:nvPicPr>
+          <p:cNvPr id="8" name="Picture 7"/>
+          <p:cNvPicPr>
+            <a:picLocks noChangeAspect="1"/>
+          </p:cNvPicPr>
+          <p:nvPr/>
+        </p:nvPicPr>
+        <p:blipFill>
+          <a:blip r:embed="rId2">
+            <a:extLst>
+              <a:ext uri="{28A0092B-C50C-407E-A947-70E740481C1C}">
+                <a14:useLocalDpi xmlns:a14="http://schemas.microsoft.com/office/drawing/2010/main" val="0"/>
+              </a:ext>
+            </a:extLst>
+          </a:blip>
+          <a:stretch>
+            <a:fillRect/>
+          </a:stretch>
+        </p:blipFill>
+        <p:spPr>
+          <a:xfrm>
+            <a:off x="2208212" y="990600"/>
+            <a:ext cx="9345329" cy="2572109"/>
+          </a:xfrm>
+          <a:prstGeom prst="rect">
+            <a:avLst/>
+          </a:prstGeom>
+        </p:spPr>
+      </p:pic>
     </p:spTree>
     <p:extLst>
       <p:ext uri="{BB962C8B-B14F-4D97-AF65-F5344CB8AC3E}">
-        <p14:creationId xmlns:p14="http://schemas.microsoft.com/office/powerpoint/2010/main" val="1086794504"/>
+        <p14:creationId xmlns:p14="http://schemas.microsoft.com/office/powerpoint/2010/main" val="2385179671"/>
       </p:ext>
     </p:extLst>
   </p:cSld>
@@ -5789,7 +6002,7 @@
           <a:p>
             <a:r>
               <a:rPr lang="en-US" dirty="0"/>
-              <a:t>Future Changes</a:t>
+              <a:t>Stumbling Blocks</a:t>
             </a:r>
           </a:p>
         </p:txBody>
@@ -5806,18 +6019,58 @@
         </p:nvSpPr>
         <p:spPr/>
         <p:txBody>
-          <a:bodyPr/>
+          <a:bodyPr>
+            <a:normAutofit lnSpcReduction="10000"/>
+          </a:bodyPr>
           <a:lstStyle/>
           <a:p>
             <a:r>
               <a:rPr lang="en-US" dirty="0"/>
-              <a:t>What we want to change to do better</a:t>
-            </a:r>
-          </a:p>
-          <a:p>
+              <a:t>Our 2 major failures were</a:t>
+            </a:r>
+            <a:r>
+              <a:rPr lang="en-US" dirty="0" smtClean="0"/>
+              <a:t>:</a:t>
+            </a:r>
+          </a:p>
+          <a:p>
+            <a:r>
+              <a:rPr lang="en-US" dirty="0" smtClean="0"/>
+              <a:t>1</a:t>
+            </a:r>
             <a:r>
               <a:rPr lang="en-US" dirty="0"/>
-              <a:t>Essentially the deltas column</a:t>
+              <a:t>. Maintaining team communications. Particularly during midterms season, as not only are the 3 of us students, but </a:t>
+            </a:r>
+            <a:r>
+              <a:rPr lang="en-US" dirty="0" err="1"/>
+              <a:t>Vee</a:t>
+            </a:r>
+            <a:r>
+              <a:rPr lang="en-US" dirty="0"/>
+              <a:t> as well, all progress and communication halted during that period while we scrambled to prepare for exams. This lead to our tech doc being late, which is inexcusable</a:t>
+            </a:r>
+            <a:r>
+              <a:rPr lang="en-US" dirty="0" smtClean="0"/>
+              <a:t>.</a:t>
+            </a:r>
+          </a:p>
+          <a:p>
+            <a:r>
+              <a:rPr lang="en-US" dirty="0" smtClean="0"/>
+              <a:t>2</a:t>
+            </a:r>
+            <a:r>
+              <a:rPr lang="en-US" dirty="0"/>
+              <a:t>. Acquiring extra instruction with respect to class assignments</a:t>
+            </a:r>
+            <a:r>
+              <a:rPr lang="en-US" dirty="0" smtClean="0"/>
+              <a:t>. Since </a:t>
+            </a:r>
+            <a:r>
+              <a:rPr lang="en-US" dirty="0"/>
+              <a:t>our project is research focused, many of the assignments given in class are less relevant to our work. As such, we need to be more proactive about asking for further instruction from our professors for what exactly we need to do.</a:t>
             </a:r>
           </a:p>
         </p:txBody>
@@ -5825,7 +6078,7 @@
     </p:spTree>
     <p:extLst>
       <p:ext uri="{BB962C8B-B14F-4D97-AF65-F5344CB8AC3E}">
-        <p14:creationId xmlns:p14="http://schemas.microsoft.com/office/powerpoint/2010/main" val="2808697750"/>
+        <p14:creationId xmlns:p14="http://schemas.microsoft.com/office/powerpoint/2010/main" val="1086794504"/>
       </p:ext>
     </p:extLst>
   </p:cSld>
@@ -5881,6 +6134,98 @@
           <a:p>
             <a:r>
               <a:rPr lang="en-US" dirty="0"/>
+              <a:t>Future Changes</a:t>
+            </a:r>
+          </a:p>
+        </p:txBody>
+      </p:sp>
+      <p:sp>
+        <p:nvSpPr>
+          <p:cNvPr id="3" name="Content Placeholder 2"/>
+          <p:cNvSpPr>
+            <a:spLocks noGrp="1"/>
+          </p:cNvSpPr>
+          <p:nvPr>
+            <p:ph idx="1"/>
+          </p:nvPr>
+        </p:nvSpPr>
+        <p:spPr/>
+        <p:txBody>
+          <a:bodyPr/>
+          <a:lstStyle/>
+          <a:p>
+            <a:r>
+              <a:rPr lang="en-US" dirty="0"/>
+              <a:t>What we want to change to do better</a:t>
+            </a:r>
+          </a:p>
+          <a:p>
+            <a:r>
+              <a:rPr lang="en-US" dirty="0"/>
+              <a:t>Essentially the deltas column</a:t>
+            </a:r>
+          </a:p>
+        </p:txBody>
+      </p:sp>
+    </p:spTree>
+    <p:extLst>
+      <p:ext uri="{BB962C8B-B14F-4D97-AF65-F5344CB8AC3E}">
+        <p14:creationId xmlns:p14="http://schemas.microsoft.com/office/powerpoint/2010/main" val="2808697750"/>
+      </p:ext>
+    </p:extLst>
+  </p:cSld>
+  <p:clrMapOvr>
+    <a:masterClrMapping/>
+  </p:clrMapOvr>
+  <mc:AlternateContent xmlns:mc="http://schemas.openxmlformats.org/markup-compatibility/2006" xmlns:p14="http://schemas.microsoft.com/office/powerpoint/2010/main">
+    <mc:Choice Requires="p14">
+      <p:transition spd="med" p14:dur="700">
+        <p:fade/>
+      </p:transition>
+    </mc:Choice>
+    <mc:Fallback xmlns="">
+      <p:transition spd="med">
+        <p:fade/>
+      </p:transition>
+    </mc:Fallback>
+  </mc:AlternateContent>
+</p:sld>
+</file>
+
+<file path=ppt/slides/slide16.xml><?xml version="1.0" encoding="utf-8"?>
+<p:sld xmlns:a="http://schemas.openxmlformats.org/drawingml/2006/main" xmlns:r="http://schemas.openxmlformats.org/officeDocument/2006/relationships" xmlns:p="http://schemas.openxmlformats.org/presentationml/2006/main">
+  <p:cSld>
+    <p:spTree>
+      <p:nvGrpSpPr>
+        <p:cNvPr id="1" name=""/>
+        <p:cNvGrpSpPr/>
+        <p:nvPr/>
+      </p:nvGrpSpPr>
+      <p:grpSpPr>
+        <a:xfrm>
+          <a:off x="0" y="0"/>
+          <a:ext cx="0" cy="0"/>
+          <a:chOff x="0" y="0"/>
+          <a:chExt cx="0" cy="0"/>
+        </a:xfrm>
+      </p:grpSpPr>
+      <p:sp>
+        <p:nvSpPr>
+          <p:cNvPr id="2" name="Title 1"/>
+          <p:cNvSpPr>
+            <a:spLocks noGrp="1"/>
+          </p:cNvSpPr>
+          <p:nvPr>
+            <p:ph type="title"/>
+          </p:nvPr>
+        </p:nvSpPr>
+        <p:spPr/>
+        <p:txBody>
+          <a:bodyPr/>
+          <a:lstStyle/>
+          <a:p>
+            <a:r>
+              <a:rPr lang="en-US" dirty="0"/>
               <a:t>Looking Ahead</a:t>
             </a:r>
           </a:p>
@@ -5939,7 +6284,7 @@
 </p:sld>
 </file>
 
-<file path=ppt/slides/slide16.xml><?xml version="1.0" encoding="utf-8"?>
+<file path=ppt/slides/slide17.xml><?xml version="1.0" encoding="utf-8"?>
 <p:sld xmlns:a="http://schemas.openxmlformats.org/drawingml/2006/main" xmlns:r="http://schemas.openxmlformats.org/officeDocument/2006/relationships" xmlns:p="http://schemas.openxmlformats.org/presentationml/2006/main">
   <p:cSld>
     <p:spTree>
@@ -6863,7 +7208,6 @@
               <a:rPr lang="en-US" dirty="0" smtClean="0"/>
               <a:t>Provides a quick viewpoint of what we’re researching</a:t>
             </a:r>
-            <a:endParaRPr lang="en-US" dirty="0" smtClean="0"/>
           </a:p>
           <a:p>
             <a:r>
@@ -9292,14 +9636,14 @@
 <file path=customXml/itemProps3.xml><?xml version="1.0" encoding="utf-8"?>
 <ds:datastoreItem xmlns:ds="http://schemas.openxmlformats.org/officeDocument/2006/customXml" ds:itemID="{60C67BEE-D13F-4BD2-98A5-34D8A0977F68}">
   <ds:schemaRefs>
+    <ds:schemaRef ds:uri="http://purl.org/dc/terms/"/>
+    <ds:schemaRef ds:uri="http://schemas.microsoft.com/office/2006/metadata/properties"/>
+    <ds:schemaRef ds:uri="http://schemas.microsoft.com/office/2006/documentManagement/types"/>
     <ds:schemaRef ds:uri="4873beb7-5857-4685-be1f-d57550cc96cc"/>
+    <ds:schemaRef ds:uri="http://purl.org/dc/elements/1.1/"/>
     <ds:schemaRef ds:uri="http://schemas.openxmlformats.org/package/2006/metadata/core-properties"/>
-    <ds:schemaRef ds:uri="http://purl.org/dc/terms/"/>
-    <ds:schemaRef ds:uri="http://schemas.microsoft.com/office/2006/documentManagement/types"/>
-    <ds:schemaRef ds:uri="http://purl.org/dc/elements/1.1/"/>
-    <ds:schemaRef ds:uri="http://schemas.microsoft.com/office/2006/metadata/properties"/>
+    <ds:schemaRef ds:uri="http://www.w3.org/XML/1998/namespace"/>
     <ds:schemaRef ds:uri="http://schemas.microsoft.com/office/infopath/2007/PartnerControls"/>
-    <ds:schemaRef ds:uri="http://www.w3.org/XML/1998/namespace"/>
     <ds:schemaRef ds:uri="http://purl.org/dc/dcmitype/"/>
   </ds:schemaRefs>
 </ds:datastoreItem>

--- a/docs/progress_report/progress_report.pptx
+++ b/docs/progress_report/progress_report.pptx
@@ -241,7 +241,7 @@
           <a:p>
             <a:fld id="{FE5B4EDC-59C0-49C7-8ADA-5A781B329E02}" type="datetimeFigureOut">
               <a:rPr lang="en-US"/>
-              <a:t>12/5/2016</a:t>
+              <a:t>12/6/16</a:t>
             </a:fld>
             <a:endParaRPr/>
           </a:p>
@@ -406,7 +406,7 @@
           <a:p>
             <a:fld id="{F2D8D46A-B586-417D-BFBD-8C8FE0AAF762}" type="datetimeFigureOut">
               <a:rPr lang="en-US"/>
-              <a:t>12/5/2016</a:t>
+              <a:t>12/6/16</a:t>
             </a:fld>
             <a:endParaRPr/>
           </a:p>
@@ -748,7 +748,7 @@
               <a:rPr lang="en-US" smtClean="0"/>
               <a:t>2</a:t>
             </a:fld>
-            <a:endParaRPr lang="en-US"/>
+            <a:endParaRPr lang="en-US" dirty="0"/>
           </a:p>
         </p:txBody>
       </p:sp>
@@ -1521,7 +1521,7 @@
           <a:p>
             <a:fld id="{F0DFD029-FB74-4578-B929-F66AA97659CA}" type="datetimeFigureOut">
               <a:rPr lang="en-US"/>
-              <a:t>12/5/2016</a:t>
+              <a:t>12/6/16</a:t>
             </a:fld>
             <a:endParaRPr/>
           </a:p>
@@ -1719,7 +1719,7 @@
           <a:p>
             <a:fld id="{F0DFD029-FB74-4578-B929-F66AA97659CA}" type="datetimeFigureOut">
               <a:rPr lang="en-US"/>
-              <a:t>12/5/2016</a:t>
+              <a:t>12/6/16</a:t>
             </a:fld>
             <a:endParaRPr/>
           </a:p>
@@ -1927,7 +1927,7 @@
           <a:p>
             <a:fld id="{F0DFD029-FB74-4578-B929-F66AA97659CA}" type="datetimeFigureOut">
               <a:rPr lang="en-US"/>
-              <a:t>12/5/2016</a:t>
+              <a:t>12/6/16</a:t>
             </a:fld>
             <a:endParaRPr/>
           </a:p>
@@ -2125,7 +2125,7 @@
           <a:p>
             <a:fld id="{F0DFD029-FB74-4578-B929-F66AA97659CA}" type="datetimeFigureOut">
               <a:rPr lang="en-US"/>
-              <a:t>12/5/2016</a:t>
+              <a:t>12/6/16</a:t>
             </a:fld>
             <a:endParaRPr/>
           </a:p>
@@ -2557,7 +2557,7 @@
           <a:p>
             <a:fld id="{F0DFD029-FB74-4578-B929-F66AA97659CA}" type="datetimeFigureOut">
               <a:rPr lang="en-US"/>
-              <a:t>12/5/2016</a:t>
+              <a:t>12/6/16</a:t>
             </a:fld>
             <a:endParaRPr/>
           </a:p>
@@ -2861,7 +2861,7 @@
           <a:p>
             <a:fld id="{F0DFD029-FB74-4578-B929-F66AA97659CA}" type="datetimeFigureOut">
               <a:rPr lang="en-US"/>
-              <a:t>12/5/2016</a:t>
+              <a:t>12/6/16</a:t>
             </a:fld>
             <a:endParaRPr/>
           </a:p>
@@ -3317,7 +3317,7 @@
           <a:p>
             <a:fld id="{F0DFD029-FB74-4578-B929-F66AA97659CA}" type="datetimeFigureOut">
               <a:rPr lang="en-US"/>
-              <a:t>12/5/2016</a:t>
+              <a:t>12/6/16</a:t>
             </a:fld>
             <a:endParaRPr/>
           </a:p>
@@ -3447,7 +3447,7 @@
           <a:p>
             <a:fld id="{F0DFD029-FB74-4578-B929-F66AA97659CA}" type="datetimeFigureOut">
               <a:rPr lang="en-US"/>
-              <a:t>12/5/2016</a:t>
+              <a:t>12/6/16</a:t>
             </a:fld>
             <a:endParaRPr/>
           </a:p>
@@ -3554,7 +3554,7 @@
           <a:p>
             <a:fld id="{F0DFD029-FB74-4578-B929-F66AA97659CA}" type="datetimeFigureOut">
               <a:rPr lang="en-US"/>
-              <a:t>12/5/2016</a:t>
+              <a:t>12/6/16</a:t>
             </a:fld>
             <a:endParaRPr/>
           </a:p>
@@ -3853,7 +3853,7 @@
           <a:p>
             <a:fld id="{F0DFD029-FB74-4578-B929-F66AA97659CA}" type="datetimeFigureOut">
               <a:rPr lang="en-US"/>
-              <a:t>12/5/2016</a:t>
+              <a:t>12/6/16</a:t>
             </a:fld>
             <a:endParaRPr/>
           </a:p>
@@ -4117,10 +4117,10 @@
           </a:lstStyle>
           <a:p>
             <a:r>
-              <a:rPr lang="en-US"/>
+              <a:rPr lang="en-US" dirty="0"/>
               <a:t>Click icon to add picture</a:t>
             </a:r>
-            <a:endParaRPr/>
+            <a:endParaRPr dirty="0"/>
           </a:p>
         </p:txBody>
       </p:sp>
@@ -4141,7 +4141,7 @@
           <a:p>
             <a:fld id="{F0DFD029-FB74-4578-B929-F66AA97659CA}" type="datetimeFigureOut">
               <a:rPr lang="en-US"/>
-              <a:t>12/5/2016</a:t>
+              <a:t>12/6/16</a:t>
             </a:fld>
             <a:endParaRPr/>
           </a:p>
@@ -4764,7 +4764,7 @@
             <a:fld id="{F0DFD029-FB74-4578-B929-F66AA97659CA}" type="datetimeFigureOut">
               <a:rPr lang="en-US"/>
               <a:pPr/>
-              <a:t>12/5/2016</a:t>
+              <a:t>12/6/16</a:t>
             </a:fld>
             <a:endParaRPr/>
           </a:p>
@@ -5309,7 +5309,7 @@
               <a:t>Emily Longman, Zach Rogers, &amp; Dominic </a:t>
             </a:r>
             <a:r>
-              <a:rPr lang="en-US" sz="2800" dirty="0" err="1">
+              <a:rPr lang="en-US" sz="2800" dirty="0">
                 <a:solidFill>
                   <a:schemeClr val="tx2"/>
                 </a:solidFill>
@@ -5414,14 +5414,9 @@
               <a:buNone/>
             </a:pPr>
             <a:r>
-              <a:rPr lang="en-US" smtClean="0"/>
-              <a:t>Week </a:t>
-            </a:r>
-            <a:r>
-              <a:rPr lang="en-US" smtClean="0"/>
-              <a:t>0-3</a:t>
-            </a:r>
-            <a:endParaRPr lang="en-US" dirty="0" smtClean="0"/>
+              <a:rPr lang="en-US" dirty="0" smtClean="0"/>
+              <a:t>Week 0-3</a:t>
+            </a:r>
           </a:p>
           <a:p>
             <a:pPr marL="0" indent="0">
@@ -5441,7 +5436,7 @@
               <a:t>Met with client (V) and his clients (Professor </a:t>
             </a:r>
             <a:r>
-              <a:rPr lang="en-US" dirty="0" err="1"/>
+              <a:rPr lang="en-US" dirty="0"/>
               <a:t>Bobba</a:t>
             </a:r>
             <a:r>
@@ -5748,7 +5743,7 @@
               <a:t>	Along with midterms catching up to us, including </a:t>
             </a:r>
             <a:r>
-              <a:rPr lang="en-US" dirty="0" err="1"/>
+              <a:rPr lang="en-US" dirty="0"/>
               <a:t>Vee</a:t>
             </a:r>
             <a:r>
@@ -6043,7 +6038,7 @@
               <a:t>. Maintaining team communications. Particularly during midterms season, as not only are the 3 of us students, but </a:t>
             </a:r>
             <a:r>
-              <a:rPr lang="en-US" dirty="0" err="1"/>
+              <a:rPr lang="en-US" dirty="0"/>
               <a:t>Vee</a:t>
             </a:r>
             <a:r>
@@ -6155,14 +6150,28 @@
           <a:lstStyle/>
           <a:p>
             <a:r>
-              <a:rPr lang="en-US" dirty="0"/>
-              <a:t>What we want to change to do better</a:t>
-            </a:r>
-          </a:p>
-          <a:p>
-            <a:r>
-              <a:rPr lang="en-US" dirty="0"/>
-              <a:t>Essentially the deltas column</a:t>
+              <a:rPr lang="en-US" dirty="0" smtClean="0"/>
+              <a:t>Maintain a Consistent Meeting Schedule</a:t>
+            </a:r>
+          </a:p>
+          <a:p>
+            <a:pPr lvl="1"/>
+            <a:r>
+              <a:rPr lang="en-US" dirty="0" smtClean="0"/>
+              <a:t>For Winter and Spring Term, we aim to ensure that we are meeting at least once a week.</a:t>
+            </a:r>
+          </a:p>
+          <a:p>
+            <a:r>
+              <a:rPr lang="en-US" dirty="0" smtClean="0"/>
+              <a:t>Regular Check-ins with Professors</a:t>
+            </a:r>
+          </a:p>
+          <a:p>
+            <a:pPr lvl="1"/>
+            <a:r>
+              <a:rPr lang="en-US" dirty="0" smtClean="0"/>
+              <a:t>We plan to meet with professors and our client much earlier to discuss concerns regarding assignments and deadlines.</a:t>
             </a:r>
           </a:p>
         </p:txBody>
@@ -6247,15 +6256,69 @@
           <a:lstStyle/>
           <a:p>
             <a:r>
-              <a:rPr lang="en-US" dirty="0"/>
-              <a:t>Things that will be done over winter break</a:t>
-            </a:r>
-          </a:p>
-          <a:p>
-            <a:r>
-              <a:rPr lang="en-US" dirty="0"/>
-              <a:t>Any other future plans</a:t>
-            </a:r>
+              <a:rPr lang="en-US" dirty="0" smtClean="0"/>
+              <a:t>Over Winter Break We Will</a:t>
+            </a:r>
+          </a:p>
+          <a:p>
+            <a:pPr lvl="1"/>
+            <a:r>
+              <a:rPr lang="en-US" dirty="0" smtClean="0"/>
+              <a:t>Get our drones operational</a:t>
+            </a:r>
+          </a:p>
+          <a:p>
+            <a:pPr lvl="2"/>
+            <a:r>
+              <a:rPr lang="en-US" dirty="0" smtClean="0"/>
+              <a:t>Includes getting ROS running on our </a:t>
+            </a:r>
+            <a:r>
+              <a:rPr lang="en-US" dirty="0" err="1" smtClean="0"/>
+              <a:t>BeagleBone</a:t>
+            </a:r>
+            <a:r>
+              <a:rPr lang="en-US" dirty="0" smtClean="0"/>
+              <a:t>, and interface with our </a:t>
+            </a:r>
+            <a:r>
+              <a:rPr lang="en-US" dirty="0" err="1" smtClean="0"/>
+              <a:t>PixHawk</a:t>
+            </a:r>
+            <a:r>
+              <a:rPr lang="en-US" dirty="0" smtClean="0"/>
+              <a:t> cape</a:t>
+            </a:r>
+          </a:p>
+          <a:p>
+            <a:pPr lvl="2"/>
+            <a:r>
+              <a:rPr lang="en-US" dirty="0" smtClean="0"/>
+              <a:t>Seeing if SROS is something we can use </a:t>
+            </a:r>
+            <a:r>
+              <a:rPr lang="en-US" smtClean="0"/>
+              <a:t>moving forward</a:t>
+            </a:r>
+            <a:br>
+              <a:rPr lang="en-US" smtClean="0"/>
+            </a:br>
+            <a:endParaRPr lang="en-US" dirty="0"/>
+          </a:p>
+          <a:p>
+            <a:pPr lvl="1"/>
+            <a:r>
+              <a:rPr lang="en-US" dirty="0" smtClean="0"/>
+              <a:t>Start our Threat Modeling</a:t>
+            </a:r>
+          </a:p>
+          <a:p>
+            <a:pPr lvl="2"/>
+            <a:r>
+              <a:rPr lang="en-US" dirty="0" smtClean="0"/>
+              <a:t>Will allow us to get a head start to Winter term</a:t>
+            </a:r>
+            <a:endParaRPr lang="en-US" dirty="0" smtClean="0"/>
           </a:p>
         </p:txBody>
       </p:sp>
@@ -6354,7 +6417,7 @@
               <a:t> Zhang, </a:t>
             </a:r>
             <a:r>
-              <a:rPr lang="en-US" dirty="0" err="1"/>
+              <a:rPr lang="en-US" dirty="0"/>
               <a:t>Zhi</a:t>
             </a:r>
             <a:r>
@@ -6362,7 +6425,7 @@
               <a:t>-Kai, et al. "</a:t>
             </a:r>
             <a:r>
-              <a:rPr lang="en-US" dirty="0" err="1"/>
+              <a:rPr lang="en-US" dirty="0"/>
               <a:t>IoT</a:t>
             </a:r>
             <a:r>
@@ -6389,7 +6452,7 @@
               <a:t>S. Sharma, S. Garg, A. </a:t>
             </a:r>
             <a:r>
-              <a:rPr lang="en-US" dirty="0" err="1"/>
+              <a:rPr lang="en-US" dirty="0"/>
               <a:t>Karodiya</a:t>
             </a:r>
             <a:r>
@@ -6404,7 +6467,7 @@
               <a:t>[3] </a:t>
             </a:r>
             <a:r>
-              <a:rPr lang="en-US" dirty="0" err="1"/>
+              <a:rPr lang="en-US" dirty="0"/>
               <a:t>Samland</a:t>
             </a:r>
             <a:r>
@@ -6435,7 +6498,7 @@
               <a:t>ASQ. </a:t>
             </a:r>
             <a:r>
-              <a:rPr lang="fr-FR" dirty="0" err="1"/>
+              <a:rPr lang="fr-FR" dirty="0"/>
               <a:t>Failure</a:t>
             </a:r>
             <a:r>
@@ -6443,7 +6506,7 @@
               <a:t> mode </a:t>
             </a:r>
             <a:r>
-              <a:rPr lang="fr-FR" dirty="0" err="1"/>
+              <a:rPr lang="fr-FR" dirty="0"/>
               <a:t>effects</a:t>
             </a:r>
             <a:r>
@@ -6451,7 +6514,7 @@
               <a:t> </a:t>
             </a:r>
             <a:r>
-              <a:rPr lang="fr-FR" dirty="0" err="1"/>
+              <a:rPr lang="fr-FR" dirty="0"/>
               <a:t>analysis</a:t>
             </a:r>
             <a:r>
@@ -6459,7 +6522,7 @@
               <a:t>. [Online]. </a:t>
             </a:r>
             <a:r>
-              <a:rPr lang="fr-FR" dirty="0" err="1"/>
+              <a:rPr lang="fr-FR" dirty="0"/>
               <a:t>Available</a:t>
             </a:r>
             <a:r>
@@ -6490,7 +6553,7 @@
               <a:t>. </a:t>
             </a:r>
             <a:r>
-              <a:rPr lang="en-US" dirty="0" err="1"/>
+              <a:rPr lang="en-US" dirty="0"/>
               <a:t>Shostack</a:t>
             </a:r>
             <a:r>
@@ -6498,7 +6561,7 @@
               <a:t>, Threat Modeling, Designing for Security. Indianapolis, Indiana: John Wiley and Sons, </a:t>
             </a:r>
             <a:r>
-              <a:rPr lang="en-US" dirty="0" err="1"/>
+              <a:rPr lang="en-US" dirty="0"/>
               <a:t>Inc</a:t>
             </a:r>
             <a:r>
@@ -6704,7 +6767,9 @@
       </p:sp>
       <p:pic>
         <p:nvPicPr>
-          <p:cNvPr id="4" name="7u9hFluSkHc"/>
+          <p:cNvPr id="4" name="7u9hFluSkHc">
+            <a:hlinkClick r:id="" action="ppaction://ole?verb=0"/>
+          </p:cNvPr>
           <p:cNvPicPr>
             <a:picLocks noGrp="1" noRot="1" noChangeAspect="1"/>
           </p:cNvPicPr>
@@ -6754,7 +6819,80 @@
   <p:timing>
     <p:tnLst>
       <p:par>
-        <p:cTn id="1" dur="indefinite" restart="never" nodeType="tmRoot"/>
+        <p:cTn id="1" dur="indefinite" restart="never" nodeType="tmRoot">
+          <p:childTnLst>
+            <p:seq concurrent="1" nextAc="seek">
+              <p:cTn id="2" restart="whenNotActive" fill="hold" evtFilter="cancelBubble" nodeType="interactiveSeq">
+                <p:stCondLst>
+                  <p:cond evt="onClick" delay="0">
+                    <p:tgtEl>
+                      <p:spTgt spid="4"/>
+                    </p:tgtEl>
+                  </p:cond>
+                </p:stCondLst>
+                <p:endSync evt="end" delay="0">
+                  <p:rtn val="all"/>
+                </p:endSync>
+                <p:childTnLst>
+                  <p:par>
+                    <p:cTn id="3" fill="hold">
+                      <p:stCondLst>
+                        <p:cond delay="0"/>
+                      </p:stCondLst>
+                      <p:childTnLst>
+                        <p:par>
+                          <p:cTn id="4" fill="hold">
+                            <p:stCondLst>
+                              <p:cond delay="0"/>
+                            </p:stCondLst>
+                            <p:childTnLst>
+                              <p:par>
+                                <p:cTn id="5" presetID="2" presetClass="mediacall" presetSubtype="0" fill="hold" nodeType="clickEffect">
+                                  <p:stCondLst>
+                                    <p:cond delay="0"/>
+                                  </p:stCondLst>
+                                  <p:childTnLst>
+                                    <p:cmd type="call" cmd="togglePause">
+                                      <p:cBhvr>
+                                        <p:cTn id="6" dur="1" fill="hold"/>
+                                        <p:tgtEl>
+                                          <p:spTgt spid="4"/>
+                                        </p:tgtEl>
+                                      </p:cBhvr>
+                                    </p:cmd>
+                                  </p:childTnLst>
+                                </p:cTn>
+                              </p:par>
+                            </p:childTnLst>
+                          </p:cTn>
+                        </p:par>
+                      </p:childTnLst>
+                    </p:cTn>
+                  </p:par>
+                </p:childTnLst>
+              </p:cTn>
+              <p:nextCondLst>
+                <p:cond evt="onClick" delay="0">
+                  <p:tgtEl>
+                    <p:spTgt spid="4"/>
+                  </p:tgtEl>
+                </p:cond>
+              </p:nextCondLst>
+            </p:seq>
+            <p:video>
+              <p:cMediaNode>
+                <p:cTn id="7" fill="hold" display="0">
+                  <p:stCondLst>
+                    <p:cond delay="indefinite"/>
+                  </p:stCondLst>
+                </p:cTn>
+                <p:tgtEl>
+                  <p:spTgt spid="4"/>
+                </p:tgtEl>
+              </p:cMediaNode>
+            </p:video>
+          </p:childTnLst>
+        </p:cTn>
       </p:par>
     </p:tnLst>
   </p:timing>
@@ -6909,7 +7047,7 @@
           <a:lstStyle/>
           <a:p>
             <a:r>
-              <a:rPr lang="en-US" dirty="0" err="1"/>
+              <a:rPr lang="en-US" dirty="0"/>
               <a:t>IoT</a:t>
             </a:r>
             <a:r>
@@ -7226,7 +7364,15 @@
             <a:pPr lvl="1"/>
             <a:r>
               <a:rPr lang="en-US" dirty="0" smtClean="0"/>
-              <a:t>Using Adam Shostack’s guide </a:t>
+              <a:t>Using Adam </a:t>
+            </a:r>
+            <a:r>
+              <a:rPr lang="en-US" dirty="0" smtClean="0"/>
+              <a:t>Shostack’s</a:t>
+            </a:r>
+            <a:r>
+              <a:rPr lang="en-US" dirty="0" smtClean="0"/>
+              <a:t> guide </a:t>
             </a:r>
             <a:r>
               <a:rPr lang="en-US" baseline="30000" dirty="0" smtClean="0"/>

--- a/docs/progress_report/progress_report.pptx
+++ b/docs/progress_report/progress_report.pptx
@@ -5306,21 +5306,8 @@
                   <a:schemeClr val="tx2"/>
                 </a:solidFill>
               </a:rPr>
-              <a:t>Emily Longman, Zach Rogers, &amp; Dominic </a:t>
-            </a:r>
-            <a:r>
-              <a:rPr lang="en-US" sz="2800" dirty="0">
-                <a:solidFill>
-                  <a:schemeClr val="tx2"/>
-                </a:solidFill>
-              </a:rPr>
-              <a:t>Giacoppe</a:t>
-            </a:r>
-            <a:endParaRPr lang="en-US" sz="2800" dirty="0">
-              <a:solidFill>
-                <a:schemeClr val="tx2"/>
-              </a:solidFill>
-            </a:endParaRPr>
+              <a:t>Emily Longman, Zach Rogers, &amp; Dominic Giacoppe</a:t>
+            </a:r>
           </a:p>
         </p:txBody>
       </p:sp>
@@ -5433,15 +5420,7 @@
             </a:pPr>
             <a:r>
               <a:rPr lang="en-US" dirty="0"/>
-              <a:t>Met with client (V) and his clients (Professor </a:t>
-            </a:r>
-            <a:r>
-              <a:rPr lang="en-US" dirty="0"/>
-              <a:t>Bobba</a:t>
-            </a:r>
-            <a:r>
-              <a:rPr lang="en-US" dirty="0"/>
-              <a:t> and resident crypto-expert Jesse) and discussed basic requirements</a:t>
+              <a:t>Met with client (V) and his clients (Professor Bobba and resident crypto-expert Jesse) and discussed basic requirements</a:t>
             </a:r>
           </a:p>
           <a:p>
@@ -5740,15 +5719,7 @@
             </a:pPr>
             <a:r>
               <a:rPr lang="en-US" dirty="0"/>
-              <a:t>	Along with midterms catching up to us, including </a:t>
-            </a:r>
-            <a:r>
-              <a:rPr lang="en-US" dirty="0"/>
-              <a:t>Vee</a:t>
-            </a:r>
-            <a:r>
-              <a:rPr lang="en-US" dirty="0"/>
-              <a:t>, which didn't help</a:t>
+              <a:t>	Along with midterms catching up to us, including Vee, which didn't help</a:t>
             </a:r>
           </a:p>
           <a:p>
@@ -6035,15 +6006,7 @@
             </a:r>
             <a:r>
               <a:rPr lang="en-US" dirty="0"/>
-              <a:t>. Maintaining team communications. Particularly during midterms season, as not only are the 3 of us students, but </a:t>
-            </a:r>
-            <a:r>
-              <a:rPr lang="en-US" dirty="0"/>
-              <a:t>Vee</a:t>
-            </a:r>
-            <a:r>
-              <a:rPr lang="en-US" dirty="0"/>
-              <a:t> as well, all progress and communication halted during that period while we scrambled to prepare for exams. This lead to our tech doc being late, which is inexcusable</a:t>
+              <a:t>. Maintaining team communications. Particularly during midterms season, as not only are the 3 of us students, but Vee as well, all progress and communication halted during that period while we scrambled to prepare for exams. This lead to our tech doc being late, which is inexcusable</a:t>
             </a:r>
             <a:r>
               <a:rPr lang="en-US" dirty="0" smtClean="0"/>
@@ -6318,7 +6281,6 @@
               <a:rPr lang="en-US" dirty="0" smtClean="0"/>
               <a:t>Will allow us to get a head start to Winter term</a:t>
             </a:r>
-            <a:endParaRPr lang="en-US" dirty="0" smtClean="0"/>
           </a:p>
         </p:txBody>
       </p:sp>
@@ -6414,23 +6376,7 @@
             </a:r>
             <a:r>
               <a:rPr lang="en-US" dirty="0"/>
-              <a:t> Zhang, </a:t>
-            </a:r>
-            <a:r>
-              <a:rPr lang="en-US" dirty="0"/>
-              <a:t>Zhi</a:t>
-            </a:r>
-            <a:r>
-              <a:rPr lang="en-US" dirty="0"/>
-              <a:t>-Kai, et al. "</a:t>
-            </a:r>
-            <a:r>
-              <a:rPr lang="en-US" dirty="0"/>
-              <a:t>IoT</a:t>
-            </a:r>
-            <a:r>
-              <a:rPr lang="en-US" dirty="0"/>
-              <a:t> security: ongoing challenges and research opportunities." </a:t>
+              <a:t> Zhang, Zhi-Kai, et al. "IoT security: ongoing challenges and research opportunities." </a:t>
             </a:r>
             <a:r>
               <a:rPr lang="en-US" dirty="0" smtClean="0"/>
@@ -6449,15 +6395,7 @@
             </a:r>
             <a:r>
               <a:rPr lang="en-US" dirty="0"/>
-              <a:t>S. Sharma, S. Garg, A. </a:t>
-            </a:r>
-            <a:r>
-              <a:rPr lang="en-US" dirty="0"/>
-              <a:t>Karodiya</a:t>
-            </a:r>
-            <a:r>
-              <a:rPr lang="en-US" dirty="0"/>
-              <a:t>, and H. Gupta, “Distributed denial of service attack.” </a:t>
+              <a:t>S. Sharma, S. Garg, A. Karodiya, and H. Gupta, “Distributed denial of service attack.” </a:t>
             </a:r>
             <a:endParaRPr lang="en-US" dirty="0" smtClean="0"/>
           </a:p>
@@ -6468,11 +6406,7 @@
             </a:r>
             <a:r>
               <a:rPr lang="en-US" dirty="0"/>
-              <a:t>Samland</a:t>
-            </a:r>
-            <a:r>
-              <a:rPr lang="en-US" dirty="0"/>
-              <a:t>, Fred, et al. "AR. Drone: security threat analysis and exemplary attack to track persons." </a:t>
+              <a:t>Samland, Fred, et al. "AR. Drone: security threat analysis and exemplary attack to track persons." </a:t>
             </a:r>
             <a:r>
               <a:rPr lang="en-US" dirty="0" smtClean="0"/>
@@ -6495,39 +6429,7 @@
             </a:r>
             <a:r>
               <a:rPr lang="fr-FR" dirty="0"/>
-              <a:t>ASQ. </a:t>
-            </a:r>
-            <a:r>
-              <a:rPr lang="fr-FR" dirty="0"/>
-              <a:t>Failure</a:t>
-            </a:r>
-            <a:r>
-              <a:rPr lang="fr-FR" dirty="0"/>
-              <a:t> mode </a:t>
-            </a:r>
-            <a:r>
-              <a:rPr lang="fr-FR" dirty="0"/>
-              <a:t>effects</a:t>
-            </a:r>
-            <a:r>
-              <a:rPr lang="fr-FR" dirty="0"/>
-              <a:t> </a:t>
-            </a:r>
-            <a:r>
-              <a:rPr lang="fr-FR" dirty="0"/>
-              <a:t>analysis</a:t>
-            </a:r>
-            <a:r>
-              <a:rPr lang="fr-FR" dirty="0"/>
-              <a:t>. [Online]. </a:t>
-            </a:r>
-            <a:r>
-              <a:rPr lang="fr-FR" dirty="0"/>
-              <a:t>Available</a:t>
-            </a:r>
-            <a:r>
-              <a:rPr lang="fr-FR" dirty="0"/>
-              <a:t>: </a:t>
+              <a:t>ASQ. Failure mode effects analysis. [Online]. Available: </a:t>
             </a:r>
             <a:r>
               <a:rPr lang="fr-FR" dirty="0">
@@ -6550,23 +6452,7 @@
             </a:r>
             <a:r>
               <a:rPr lang="en-US" dirty="0"/>
-              <a:t>. </a:t>
-            </a:r>
-            <a:r>
-              <a:rPr lang="en-US" dirty="0"/>
-              <a:t>Shostack</a:t>
-            </a:r>
-            <a:r>
-              <a:rPr lang="en-US" dirty="0"/>
-              <a:t>, Threat Modeling, Designing for Security. Indianapolis, Indiana: John Wiley and Sons, </a:t>
-            </a:r>
-            <a:r>
-              <a:rPr lang="en-US" dirty="0"/>
-              <a:t>Inc</a:t>
-            </a:r>
-            <a:r>
-              <a:rPr lang="en-US" dirty="0"/>
-              <a:t>, </a:t>
+              <a:t>. Shostack, Threat Modeling, Designing for Security. Indianapolis, Indiana: John Wiley and Sons, Inc, </a:t>
             </a:r>
             <a:r>
               <a:rPr lang="en-US" dirty="0" smtClean="0"/>
@@ -6689,8 +6575,17 @@
           <a:p>
             <a:r>
               <a:rPr lang="en-US" dirty="0"/>
-              <a:t>Potentially contribute those patches to the SROS project \cite </a:t>
-            </a:r>
+              <a:t>Potentially contribute those patches to the </a:t>
+            </a:r>
+            <a:r>
+              <a:rPr lang="en-US"/>
+              <a:t>SROS </a:t>
+            </a:r>
+            <a:r>
+              <a:rPr lang="en-US" smtClean="0"/>
+              <a:t>project</a:t>
+            </a:r>
+            <a:endParaRPr lang="en-US" dirty="0"/>
           </a:p>
         </p:txBody>
       </p:sp>
@@ -7048,11 +6943,7 @@
           <a:p>
             <a:r>
               <a:rPr lang="en-US" dirty="0"/>
-              <a:t>IoT</a:t>
-            </a:r>
-            <a:r>
-              <a:rPr lang="en-US" dirty="0"/>
-              <a:t> Security: Ongoing Challenges and Research </a:t>
+              <a:t>IoT Security: Ongoing Challenges and Research </a:t>
             </a:r>
             <a:r>
               <a:rPr lang="en-US" dirty="0" smtClean="0"/>
@@ -7364,15 +7255,7 @@
             <a:pPr lvl="1"/>
             <a:r>
               <a:rPr lang="en-US" dirty="0" smtClean="0"/>
-              <a:t>Using Adam </a:t>
-            </a:r>
-            <a:r>
-              <a:rPr lang="en-US" dirty="0" smtClean="0"/>
-              <a:t>Shostack’s</a:t>
-            </a:r>
-            <a:r>
-              <a:rPr lang="en-US" dirty="0" smtClean="0"/>
-              <a:t> guide </a:t>
+              <a:t>Using Adam Shostack’s guide </a:t>
             </a:r>
             <a:r>
               <a:rPr lang="en-US" baseline="30000" dirty="0" smtClean="0"/>
